--- a/homework1samuelpiron.pptx
+++ b/homework1samuelpiron.pptx
@@ -280,7 +280,7 @@
       </p15:sldGuideLst>
     </p:ext>
     <p:ext uri="GoogleSlidesCustomDataVersion2">
-      <go:slidesCustomData xmlns="" xmlns:mc="http://schemas.openxmlformats.org/markup-compatibility/2006" xmlns:mv="urn:schemas-microsoft-com:mac:vml" xmlns:c="http://schemas.openxmlformats.org/drawingml/2006/chart" xmlns:dgm="http://schemas.openxmlformats.org/drawingml/2006/diagram" xmlns:o="urn:schemas-microsoft-com:office:office" xmlns:v="urn:schemas-microsoft-com:vml" xmlns:pvml="urn:schemas-microsoft-com:office:powerpoint" xmlns:com="http://schemas.openxmlformats.org/drawingml/2006/compatibility" xmlns:p14="http://schemas.microsoft.com/office/powerpoint/2010/main" xmlns:p15="http://schemas.microsoft.com/office/powerpoint/2012/main" xmlns:ahyp="http://schemas.microsoft.com/office/drawing/2018/hyperlinkcolor" xmlns:go="http://customooxmlschemas.google.com/" r:id="rId22" roundtripDataSignature="AMtx7milkIbeWuOC4S0vUfVPxpctYUPNOw=="/>
+      <go:slidesCustomData xmlns:go="http://customooxmlschemas.google.com/" xmlns:ahyp="http://schemas.microsoft.com/office/drawing/2018/hyperlinkcolor" xmlns:p15="http://schemas.microsoft.com/office/powerpoint/2012/main" xmlns:p14="http://schemas.microsoft.com/office/powerpoint/2010/main" xmlns:com="http://schemas.openxmlformats.org/drawingml/2006/compatibility" xmlns:pvml="urn:schemas-microsoft-com:office:powerpoint" xmlns:v="urn:schemas-microsoft-com:vml" xmlns:o="urn:schemas-microsoft-com:office:office" xmlns:dgm="http://schemas.openxmlformats.org/drawingml/2006/diagram" xmlns:c="http://schemas.openxmlformats.org/drawingml/2006/chart" xmlns:mv="urn:schemas-microsoft-com:mac:vml" xmlns:mc="http://schemas.openxmlformats.org/markup-compatibility/2006" xmlns="" r:id="rId22" roundtripDataSignature="AMtx7milkIbeWuOC4S0vUfVPxpctYUPNOw=="/>
     </p:ext>
   </p:extLst>
 </p:presentation>
@@ -12086,7 +12086,7 @@
               <a:rPr lang="en-US" sz="2500" b="1" dirty="0">
                 <a:latin typeface="Economica" panose="020B0604020202020204" charset="0"/>
               </a:rPr>
-              <a:t>Open-ended Questions</a:t>
+              <a:t>Open Questions</a:t>
             </a:r>
             <a:r>
               <a:rPr lang="en-US" b="1" dirty="0">
@@ -13343,53 +13343,6 @@
                 <a:schemeClr val="dk1"/>
               </a:buClr>
               <a:buSzPts val="1800"/>
-            </a:pPr>
-            <a:endParaRPr lang="en-US" sz="2000" dirty="0">
-              <a:solidFill>
-                <a:schemeClr val="dk1"/>
-              </a:solidFill>
-              <a:latin typeface="Economica" panose="020B0604020202020204" charset="0"/>
-              <a:ea typeface="Economica"/>
-              <a:cs typeface="Economica"/>
-              <a:sym typeface="Economica"/>
-            </a:endParaRPr>
-          </a:p>
-          <a:p>
-            <a:pPr marL="457200" lvl="0" indent="-342900" algn="l" rtl="0">
-              <a:spcBef>
-                <a:spcPts val="0"/>
-              </a:spcBef>
-              <a:spcAft>
-                <a:spcPts val="0"/>
-              </a:spcAft>
-              <a:buClr>
-                <a:schemeClr val="dk1"/>
-              </a:buClr>
-              <a:buSzPts val="1800"/>
-              <a:buFont typeface="Economica"/>
-              <a:buChar char="●"/>
-            </a:pPr>
-            <a:r>
-              <a:rPr lang="en-US" sz="2000" dirty="0">
-                <a:latin typeface="Economica" panose="020B0604020202020204" charset="0"/>
-              </a:rPr>
-              <a:t>Protecting patient privacy </a:t>
-            </a:r>
-          </a:p>
-          <a:p>
-            <a:pPr marL="457200" lvl="0" indent="-342900" algn="l" rtl="0">
-              <a:spcBef>
-                <a:spcPts val="0"/>
-              </a:spcBef>
-              <a:spcAft>
-                <a:spcPts val="0"/>
-              </a:spcAft>
-              <a:buClr>
-                <a:schemeClr val="dk1"/>
-              </a:buClr>
-              <a:buSzPts val="1800"/>
-              <a:buFont typeface="Economica"/>
-              <a:buChar char="●"/>
             </a:pPr>
             <a:endParaRPr lang="en-US" sz="2000" dirty="0">
               <a:latin typeface="Economica" panose="020B0604020202020204" charset="0"/>
@@ -13993,6 +13946,44 @@
           </a:prstGeom>
         </p:spPr>
       </p:pic>
+      <p:sp>
+        <p:nvSpPr>
+          <p:cNvPr id="2" name="TextBox 1">
+            <a:extLst>
+              <a:ext uri="{FF2B5EF4-FFF2-40B4-BE49-F238E27FC236}">
+                <a16:creationId xmlns:a16="http://schemas.microsoft.com/office/drawing/2014/main" id="{12B5B814-94FE-7FC9-685F-577ECE586237}"/>
+              </a:ext>
+            </a:extLst>
+          </p:cNvPr>
+          <p:cNvSpPr txBox="1"/>
+          <p:nvPr/>
+        </p:nvSpPr>
+        <p:spPr>
+          <a:xfrm>
+            <a:off x="607612" y="3852069"/>
+            <a:ext cx="7928774" cy="400110"/>
+          </a:xfrm>
+          <a:prstGeom prst="rect">
+            <a:avLst/>
+          </a:prstGeom>
+          <a:noFill/>
+        </p:spPr>
+        <p:txBody>
+          <a:bodyPr wrap="none" rtlCol="0">
+            <a:spAutoFit/>
+          </a:bodyPr>
+          <a:lstStyle/>
+          <a:p>
+            <a:pPr algn="ctr"/>
+            <a:r>
+              <a:rPr lang="en-US" sz="2000" dirty="0">
+                <a:latin typeface="Economica" panose="020B0604020202020204" charset="0"/>
+              </a:rPr>
+              <a:t>https://www.kaggle.com/datasets/rashikrahmanpritom/heart-attack-analysis-prediction-dataset</a:t>
+            </a:r>
+          </a:p>
+        </p:txBody>
+      </p:sp>
     </p:spTree>
   </p:cSld>
   <p:clrMapOvr>
